--- a/02-Animations-With-React-Native/04-Animation-From-Another-Angle.pptx
+++ b/02-Animations-With-React-Native/04-Animation-From-Another-Angle.pptx
@@ -5244,9 +5244,10 @@
           <a:lstStyle/>
           <a:p>
             <a:r>
-              <a:rPr lang="en-US" dirty="0"/>
-              <a:t>Glitches</a:t>
-            </a:r>
+              <a:rPr lang="en-US" dirty="0" err="1"/>
+              <a:t>Gotchas</a:t>
+            </a:r>
+            <a:endParaRPr lang="en-US" dirty="0"/>
           </a:p>
         </p:txBody>
       </p:sp>
@@ -5494,9 +5495,10 @@
           <a:lstStyle/>
           <a:p>
             <a:r>
-              <a:rPr lang="en-US" dirty="0"/>
-              <a:t>Glitches</a:t>
-            </a:r>
+              <a:rPr lang="en-US" dirty="0" err="1"/>
+              <a:t>Gotchas</a:t>
+            </a:r>
+            <a:endParaRPr lang="en-US" dirty="0"/>
           </a:p>
         </p:txBody>
       </p:sp>
@@ -5616,9 +5618,10 @@
           <a:lstStyle/>
           <a:p>
             <a:r>
-              <a:rPr lang="en-US" dirty="0"/>
-              <a:t>Glitches</a:t>
-            </a:r>
+              <a:rPr lang="en-US" dirty="0" err="1"/>
+              <a:t>Gotchas</a:t>
+            </a:r>
+            <a:endParaRPr lang="en-US" dirty="0"/>
           </a:p>
         </p:txBody>
       </p:sp>
@@ -5941,9 +5944,10 @@
           <a:lstStyle/>
           <a:p>
             <a:r>
-              <a:rPr lang="en-US" dirty="0"/>
-              <a:t>Glitches</a:t>
-            </a:r>
+              <a:rPr lang="en-US" dirty="0" err="1"/>
+              <a:t>Gotchas</a:t>
+            </a:r>
+            <a:endParaRPr lang="en-US" dirty="0"/>
           </a:p>
         </p:txBody>
       </p:sp>
